--- a/2. Az athéni demokrácia intézményei, működése.pptx
+++ b/2. Az athéni demokrácia intézményei, működése.pptx
@@ -275,7 +275,7 @@
           <a:p>
             <a:fld id="{FAFE99D3-01DF-412E-A391-2E4028D344DC}" type="datetimeFigureOut">
               <a:rPr lang="hu-HU" smtClean="0"/>
-              <a:t>2024. 03. 06.</a:t>
+              <a:t>2024. 03. 07.</a:t>
             </a:fld>
             <a:endParaRPr lang="hu-HU"/>
           </a:p>
@@ -473,7 +473,7 @@
           <a:p>
             <a:fld id="{FAFE99D3-01DF-412E-A391-2E4028D344DC}" type="datetimeFigureOut">
               <a:rPr lang="hu-HU" smtClean="0"/>
-              <a:t>2024. 03. 06.</a:t>
+              <a:t>2024. 03. 07.</a:t>
             </a:fld>
             <a:endParaRPr lang="hu-HU"/>
           </a:p>
@@ -681,7 +681,7 @@
           <a:p>
             <a:fld id="{FAFE99D3-01DF-412E-A391-2E4028D344DC}" type="datetimeFigureOut">
               <a:rPr lang="hu-HU" smtClean="0"/>
-              <a:t>2024. 03. 06.</a:t>
+              <a:t>2024. 03. 07.</a:t>
             </a:fld>
             <a:endParaRPr lang="hu-HU"/>
           </a:p>
@@ -879,7 +879,7 @@
           <a:p>
             <a:fld id="{FAFE99D3-01DF-412E-A391-2E4028D344DC}" type="datetimeFigureOut">
               <a:rPr lang="hu-HU" smtClean="0"/>
-              <a:t>2024. 03. 06.</a:t>
+              <a:t>2024. 03. 07.</a:t>
             </a:fld>
             <a:endParaRPr lang="hu-HU"/>
           </a:p>
@@ -1154,7 +1154,7 @@
           <a:p>
             <a:fld id="{FAFE99D3-01DF-412E-A391-2E4028D344DC}" type="datetimeFigureOut">
               <a:rPr lang="hu-HU" smtClean="0"/>
-              <a:t>2024. 03. 06.</a:t>
+              <a:t>2024. 03. 07.</a:t>
             </a:fld>
             <a:endParaRPr lang="hu-HU"/>
           </a:p>
@@ -1419,7 +1419,7 @@
           <a:p>
             <a:fld id="{FAFE99D3-01DF-412E-A391-2E4028D344DC}" type="datetimeFigureOut">
               <a:rPr lang="hu-HU" smtClean="0"/>
-              <a:t>2024. 03. 06.</a:t>
+              <a:t>2024. 03. 07.</a:t>
             </a:fld>
             <a:endParaRPr lang="hu-HU"/>
           </a:p>
@@ -1831,7 +1831,7 @@
           <a:p>
             <a:fld id="{FAFE99D3-01DF-412E-A391-2E4028D344DC}" type="datetimeFigureOut">
               <a:rPr lang="hu-HU" smtClean="0"/>
-              <a:t>2024. 03. 06.</a:t>
+              <a:t>2024. 03. 07.</a:t>
             </a:fld>
             <a:endParaRPr lang="hu-HU"/>
           </a:p>
@@ -1972,7 +1972,7 @@
           <a:p>
             <a:fld id="{FAFE99D3-01DF-412E-A391-2E4028D344DC}" type="datetimeFigureOut">
               <a:rPr lang="hu-HU" smtClean="0"/>
-              <a:t>2024. 03. 06.</a:t>
+              <a:t>2024. 03. 07.</a:t>
             </a:fld>
             <a:endParaRPr lang="hu-HU"/>
           </a:p>
@@ -2085,7 +2085,7 @@
           <a:p>
             <a:fld id="{FAFE99D3-01DF-412E-A391-2E4028D344DC}" type="datetimeFigureOut">
               <a:rPr lang="hu-HU" smtClean="0"/>
-              <a:t>2024. 03. 06.</a:t>
+              <a:t>2024. 03. 07.</a:t>
             </a:fld>
             <a:endParaRPr lang="hu-HU"/>
           </a:p>
@@ -2396,7 +2396,7 @@
           <a:p>
             <a:fld id="{FAFE99D3-01DF-412E-A391-2E4028D344DC}" type="datetimeFigureOut">
               <a:rPr lang="hu-HU" smtClean="0"/>
-              <a:t>2024. 03. 06.</a:t>
+              <a:t>2024. 03. 07.</a:t>
             </a:fld>
             <a:endParaRPr lang="hu-HU"/>
           </a:p>
@@ -2684,7 +2684,7 @@
           <a:p>
             <a:fld id="{FAFE99D3-01DF-412E-A391-2E4028D344DC}" type="datetimeFigureOut">
               <a:rPr lang="hu-HU" smtClean="0"/>
-              <a:t>2024. 03. 06.</a:t>
+              <a:t>2024. 03. 07.</a:t>
             </a:fld>
             <a:endParaRPr lang="hu-HU"/>
           </a:p>
@@ -2931,7 +2931,7 @@
           <a:p>
             <a:fld id="{FAFE99D3-01DF-412E-A391-2E4028D344DC}" type="datetimeFigureOut">
               <a:rPr lang="hu-HU" smtClean="0"/>
-              <a:t>2024. 03. 06.</a:t>
+              <a:t>2024. 03. 07.</a:t>
             </a:fld>
             <a:endParaRPr lang="hu-HU"/>
           </a:p>
@@ -3750,7 +3750,7 @@
         </p:blipFill>
         <p:spPr bwMode="auto">
           <a:xfrm>
-            <a:off x="10454774" y="2488108"/>
+            <a:off x="10445443" y="2488108"/>
             <a:ext cx="1552579" cy="2230539"/>
           </a:xfrm>
           <a:prstGeom prst="roundRect">
@@ -3826,7 +3826,7 @@
           </p:cNvPicPr>
           <p:nvPr/>
         </p:nvPicPr>
-        <p:blipFill>
+        <p:blipFill rotWithShape="1">
           <a:blip r:embed="rId3">
             <a:extLst>
               <a:ext uri="{28A0092B-C50C-407E-A947-70E740481C1C}">
@@ -3834,15 +3834,13 @@
               </a:ext>
             </a:extLst>
           </a:blip>
-          <a:srcRect/>
-          <a:stretch>
-            <a:fillRect/>
-          </a:stretch>
+          <a:srcRect r="551"/>
+          <a:stretch/>
         </p:blipFill>
         <p:spPr bwMode="auto">
           <a:xfrm>
             <a:off x="5456113" y="1825625"/>
-            <a:ext cx="4788716" cy="3627452"/>
+            <a:ext cx="4762307" cy="3627452"/>
           </a:xfrm>
           <a:prstGeom prst="roundRect">
             <a:avLst/>
@@ -3880,7 +3878,7 @@
         </p:nvSpPr>
         <p:spPr>
           <a:xfrm>
-            <a:off x="10838295" y="4718647"/>
+            <a:off x="10828964" y="4746640"/>
             <a:ext cx="785536" cy="369332"/>
           </a:xfrm>
           <a:prstGeom prst="rect">
@@ -3954,8 +3952,8 @@
         </p:nvSpPr>
         <p:spPr>
           <a:xfrm>
-            <a:off x="838200" y="365125"/>
-            <a:ext cx="10515600" cy="1325563"/>
+            <a:off x="4934338" y="365125"/>
+            <a:ext cx="6787392" cy="1325563"/>
           </a:xfrm>
         </p:spPr>
         <p:txBody>
@@ -3993,7 +3991,7 @@
         </p:nvSpPr>
         <p:spPr>
           <a:xfrm>
-            <a:off x="838201" y="1825624"/>
+            <a:off x="4934339" y="1825624"/>
             <a:ext cx="6787392" cy="4575175"/>
           </a:xfrm>
         </p:spPr>
@@ -4042,10 +4040,10 @@
       </p:sp>
       <p:pic>
         <p:nvPicPr>
-          <p:cNvPr id="3074" name="Picture 2" descr="Peiszisztratosz athéni türannosz – Wikipédia">
-            <a:extLst>
-              <a:ext uri="{FF2B5EF4-FFF2-40B4-BE49-F238E27FC236}">
-                <a16:creationId xmlns:a16="http://schemas.microsoft.com/office/drawing/2014/main" id="{73902449-2697-48EA-8440-5B106FEB291A}"/>
+          <p:cNvPr id="5" name="Picture 2" descr="Peiszisztratosz athéni türannosz – Wikipédia">
+            <a:extLst>
+              <a:ext uri="{FF2B5EF4-FFF2-40B4-BE49-F238E27FC236}">
+                <a16:creationId xmlns:a16="http://schemas.microsoft.com/office/drawing/2014/main" id="{F26A06E6-5C98-337E-E055-C48CB0587A36}"/>
               </a:ext>
             </a:extLst>
           </p:cNvPr>
@@ -4054,7 +4052,7 @@
           </p:cNvPicPr>
           <p:nvPr/>
         </p:nvPicPr>
-        <p:blipFill>
+        <p:blipFill rotWithShape="1">
           <a:blip r:embed="rId2">
             <a:extLst>
               <a:ext uri="{28A0092B-C50C-407E-A947-70E740481C1C}">
@@ -4062,27 +4060,130 @@
               </a:ext>
             </a:extLst>
           </a:blip>
-          <a:srcRect/>
-          <a:stretch>
-            <a:fillRect/>
-          </a:stretch>
+          <a:srcRect l="615" r="2134" b="-2"/>
+          <a:stretch/>
         </p:blipFill>
         <p:spPr bwMode="auto">
           <a:xfrm>
-            <a:off x="8681494" y="1724025"/>
-            <a:ext cx="2381250" cy="3409950"/>
+            <a:off x="1" y="10"/>
+            <a:ext cx="4657344" cy="6857990"/>
           </a:xfrm>
-          <a:prstGeom prst="roundRect">
+          <a:custGeom>
             <a:avLst/>
-          </a:prstGeom>
+            <a:gdLst/>
+            <a:ahLst/>
+            <a:cxnLst/>
+            <a:rect l="l" t="t" r="r" b="b"/>
+            <a:pathLst>
+              <a:path w="4657344" h="6858000">
+                <a:moveTo>
+                  <a:pt x="0" y="0"/>
+                </a:moveTo>
+                <a:lnTo>
+                  <a:pt x="3429755" y="0"/>
+                </a:lnTo>
+                <a:lnTo>
+                  <a:pt x="3526016" y="148742"/>
+                </a:lnTo>
+                <a:cubicBezTo>
+                  <a:pt x="3657740" y="365513"/>
+                  <a:pt x="3777402" y="589569"/>
+                  <a:pt x="3886489" y="819975"/>
+                </a:cubicBezTo>
+                <a:cubicBezTo>
+                  <a:pt x="3891856" y="833492"/>
+                  <a:pt x="3900663" y="845393"/>
+                  <a:pt x="3912049" y="854514"/>
+                </a:cubicBezTo>
+                <a:cubicBezTo>
+                  <a:pt x="3897352" y="819849"/>
+                  <a:pt x="3883037" y="784928"/>
+                  <a:pt x="3868083" y="750263"/>
+                </a:cubicBezTo>
+                <a:cubicBezTo>
+                  <a:pt x="3806989" y="608712"/>
+                  <a:pt x="3742478" y="469145"/>
+                  <a:pt x="3674155" y="331786"/>
+                </a:cubicBezTo>
+                <a:lnTo>
+                  <a:pt x="3496656" y="0"/>
+                </a:lnTo>
+                <a:lnTo>
+                  <a:pt x="3554371" y="0"/>
+                </a:lnTo>
+                <a:lnTo>
+                  <a:pt x="3661621" y="196614"/>
+                </a:lnTo>
+                <a:cubicBezTo>
+                  <a:pt x="3856899" y="573253"/>
+                  <a:pt x="4021071" y="966066"/>
+                  <a:pt x="4161279" y="1371196"/>
+                </a:cubicBezTo>
+                <a:cubicBezTo>
+                  <a:pt x="4379525" y="2007265"/>
+                  <a:pt x="4530141" y="2664286"/>
+                  <a:pt x="4610660" y="3331516"/>
+                </a:cubicBezTo>
+                <a:cubicBezTo>
+                  <a:pt x="4652837" y="3672965"/>
+                  <a:pt x="4671625" y="4013908"/>
+                  <a:pt x="4645040" y="4357388"/>
+                </a:cubicBezTo>
+                <a:cubicBezTo>
+                  <a:pt x="4613599" y="4758899"/>
+                  <a:pt x="4566181" y="5157998"/>
+                  <a:pt x="4485789" y="5552906"/>
+                </a:cubicBezTo>
+                <a:cubicBezTo>
+                  <a:pt x="4397121" y="5988893"/>
+                  <a:pt x="4276748" y="6414594"/>
+                  <a:pt x="4117769" y="6828295"/>
+                </a:cubicBezTo>
+                <a:lnTo>
+                  <a:pt x="4105288" y="6858000"/>
+                </a:lnTo>
+                <a:lnTo>
+                  <a:pt x="4052520" y="6858000"/>
+                </a:lnTo>
+                <a:lnTo>
+                  <a:pt x="4059369" y="6841549"/>
+                </a:lnTo>
+                <a:cubicBezTo>
+                  <a:pt x="4147276" y="6614016"/>
+                  <a:pt x="4224193" y="6380817"/>
+                  <a:pt x="4291518" y="6142729"/>
+                </a:cubicBezTo>
+                <a:cubicBezTo>
+                  <a:pt x="4350055" y="5935370"/>
+                  <a:pt x="4393256" y="5723695"/>
+                  <a:pt x="4443357" y="5513923"/>
+                </a:cubicBezTo>
+                <a:cubicBezTo>
+                  <a:pt x="4444541" y="5502788"/>
+                  <a:pt x="4445137" y="5491601"/>
+                  <a:pt x="4445146" y="5480401"/>
+                </a:cubicBezTo>
+                <a:cubicBezTo>
+                  <a:pt x="4408465" y="5607635"/>
+                  <a:pt x="4379196" y="5719759"/>
+                  <a:pt x="4344559" y="5830359"/>
+                </a:cubicBezTo>
+                <a:cubicBezTo>
+                  <a:pt x="4254261" y="6118381"/>
+                  <a:pt x="4150112" y="6398531"/>
+                  <a:pt x="4031702" y="6670527"/>
+                </a:cubicBezTo>
+                <a:lnTo>
+                  <a:pt x="3943824" y="6858000"/>
+                </a:lnTo>
+                <a:lnTo>
+                  <a:pt x="0" y="6858000"/>
+                </a:lnTo>
+                <a:close/>
+              </a:path>
+            </a:pathLst>
+          </a:custGeom>
           <a:noFill/>
-          <a:ln>
-            <a:solidFill>
-              <a:schemeClr val="accent5">
-                <a:lumMod val="75000"/>
-              </a:schemeClr>
-            </a:solidFill>
-          </a:ln>
           <a:extLst>
             <a:ext uri="{909E8E84-426E-40DD-AFC4-6F175D3DCCD1}">
               <a14:hiddenFill xmlns:a14="http://schemas.microsoft.com/office/drawing/2010/main">
@@ -4094,42 +4195,6 @@
           </a:extLst>
         </p:spPr>
       </p:pic>
-      <p:sp>
-        <p:nvSpPr>
-          <p:cNvPr id="4" name="Szövegdoboz 3">
-            <a:extLst>
-              <a:ext uri="{FF2B5EF4-FFF2-40B4-BE49-F238E27FC236}">
-                <a16:creationId xmlns:a16="http://schemas.microsoft.com/office/drawing/2014/main" id="{1931A056-B90F-4C66-A5D5-998C554425DF}"/>
-              </a:ext>
-            </a:extLst>
-          </p:cNvPr>
-          <p:cNvSpPr txBox="1"/>
-          <p:nvPr/>
-        </p:nvSpPr>
-        <p:spPr>
-          <a:xfrm>
-            <a:off x="9114860" y="5150753"/>
-            <a:ext cx="1514517" cy="369332"/>
-          </a:xfrm>
-          <a:prstGeom prst="rect">
-            <a:avLst/>
-          </a:prstGeom>
-          <a:noFill/>
-        </p:spPr>
-        <p:txBody>
-          <a:bodyPr wrap="none" rtlCol="0">
-            <a:spAutoFit/>
-          </a:bodyPr>
-          <a:lstStyle/>
-          <a:p>
-            <a:pPr algn="ctr"/>
-            <a:r>
-              <a:rPr lang="hu-HU" i="1" dirty="0"/>
-              <a:t>Peiszisztratosz</a:t>
-            </a:r>
-          </a:p>
-        </p:txBody>
-      </p:sp>
     </p:spTree>
     <p:extLst>
       <p:ext uri="{BB962C8B-B14F-4D97-AF65-F5344CB8AC3E}">
@@ -4281,7 +4346,7 @@
           </p:cNvPicPr>
           <p:nvPr/>
         </p:nvPicPr>
-        <p:blipFill>
+        <p:blipFill rotWithShape="1">
           <a:blip r:embed="rId2">
             <a:extLst>
               <a:ext uri="{28A0092B-C50C-407E-A947-70E740481C1C}">
@@ -4289,18 +4354,18 @@
               </a:ext>
             </a:extLst>
           </a:blip>
-          <a:srcRect/>
-          <a:stretch>
-            <a:fillRect/>
-          </a:stretch>
+          <a:srcRect t="685"/>
+          <a:stretch/>
         </p:blipFill>
         <p:spPr bwMode="auto">
           <a:xfrm>
-            <a:off x="7076747" y="1690688"/>
-            <a:ext cx="4110512" cy="4034901"/>
+            <a:off x="7076747" y="1718310"/>
+            <a:ext cx="4110512" cy="4007279"/>
           </a:xfrm>
           <a:prstGeom prst="roundRect">
-            <a:avLst/>
+            <a:avLst>
+              <a:gd name="adj" fmla="val 7880"/>
+            </a:avLst>
           </a:prstGeom>
           <a:noFill/>
           <a:ln>
